--- a/assets/EzCheatSheet.pptx
+++ b/assets/EzCheatSheet.pptx
@@ -3180,8 +3180,8 @@
         </p:nvSpPr>
         <p:spPr>
           <a:xfrm>
-            <a:off x="2019469" y="152986"/>
-            <a:ext cx="2210862" cy="369332"/>
+            <a:off x="1899955" y="134805"/>
+            <a:ext cx="2337499" cy="369332"/>
           </a:xfrm>
           <a:prstGeom prst="rect">
             <a:avLst/>
@@ -3195,13 +3195,22 @@
           <a:lstStyle/>
           <a:p>
             <a:r>
+              <a:rPr lang="en-CA" b="1">
+                <a:solidFill>
+                  <a:schemeClr val="accent4"/>
+                </a:solidFill>
+                <a:latin typeface="Consolas" panose="020B0609020204030204" pitchFamily="49" charset="0"/>
+              </a:rPr>
+              <a:t>CHUNKS_</a:t>
+            </a:r>
+            <a:r>
               <a:rPr lang="en-CA" b="1" dirty="0">
                 <a:solidFill>
                   <a:schemeClr val="accent4"/>
                 </a:solidFill>
                 <a:latin typeface="Consolas" panose="020B0609020204030204" pitchFamily="49" charset="0"/>
               </a:rPr>
-              <a:t>CHUNK_ACROSS = 2</a:t>
+              <a:t>ACROSS = 2</a:t>
             </a:r>
           </a:p>
         </p:txBody>
@@ -3220,11 +3229,14 @@
         </p:nvSpPr>
         <p:spPr>
           <a:xfrm rot="16200000">
-            <a:off x="8932335" y="487187"/>
-            <a:ext cx="366889" cy="1727198"/>
+            <a:off x="8419123" y="233906"/>
+            <a:ext cx="1393314" cy="1727198"/>
           </a:xfrm>
           <a:prstGeom prst="rightBrace">
-            <a:avLst/>
+            <a:avLst>
+              <a:gd name="adj1" fmla="val 8333"/>
+              <a:gd name="adj2" fmla="val 49412"/>
+            </a:avLst>
           </a:prstGeom>
           <a:ln w="28575">
             <a:solidFill>
@@ -3269,7 +3281,7 @@
         </p:nvSpPr>
         <p:spPr>
           <a:xfrm>
-            <a:off x="7472002" y="923286"/>
+            <a:off x="6913554" y="129946"/>
             <a:ext cx="2210862" cy="369332"/>
           </a:xfrm>
           <a:prstGeom prst="rect">
@@ -3499,8 +3511,8 @@
         </p:nvSpPr>
         <p:spPr>
           <a:xfrm>
-            <a:off x="5896269" y="3936174"/>
-            <a:ext cx="3983783" cy="646331"/>
+            <a:off x="6402817" y="3936174"/>
+            <a:ext cx="3477235" cy="646331"/>
           </a:xfrm>
           <a:prstGeom prst="rect">
             <a:avLst/>
@@ -3527,14 +3539,20 @@
           <a:p>
             <a:pPr algn="r"/>
             <a:r>
-              <a:rPr lang="en-CA" b="1" dirty="0">
+              <a:rPr lang="en-CA" b="1">
                 <a:solidFill>
                   <a:schemeClr val="accent6"/>
                 </a:solidFill>
                 <a:latin typeface="Consolas" panose="020B0609020204030204" pitchFamily="49" charset="0"/>
               </a:rPr>
-              <a:t>(8px side length for one cell)</a:t>
-            </a:r>
+              <a:t>= cell has 8px side length</a:t>
+            </a:r>
+            <a:endParaRPr lang="en-CA" b="1" dirty="0">
+              <a:solidFill>
+                <a:schemeClr val="accent6"/>
+              </a:solidFill>
+              <a:latin typeface="Consolas" panose="020B0609020204030204" pitchFamily="49" charset="0"/>
+            </a:endParaRPr>
           </a:p>
         </p:txBody>
       </p:sp>
@@ -3584,6 +3602,92 @@
           <a:p>
             <a:pPr algn="ctr"/>
             <a:endParaRPr lang="en-CA"/>
+          </a:p>
+        </p:txBody>
+      </p:sp>
+      <p:sp>
+        <p:nvSpPr>
+          <p:cNvPr id="13" name="Right Brace 12">
+            <a:extLst>
+              <a:ext uri="{FF2B5EF4-FFF2-40B4-BE49-F238E27FC236}">
+                <a16:creationId xmlns:a16="http://schemas.microsoft.com/office/drawing/2014/main" id="{B9F7BB78-1EB2-FD49-5C8C-119E2863BFB9}"/>
+              </a:ext>
+            </a:extLst>
+          </p:cNvPr>
+          <p:cNvSpPr/>
+          <p:nvPr/>
+        </p:nvSpPr>
+        <p:spPr>
+          <a:xfrm rot="16200000">
+            <a:off x="8668221" y="1529612"/>
+            <a:ext cx="253716" cy="283699"/>
+          </a:xfrm>
+          <a:prstGeom prst="rightBrace">
+            <a:avLst/>
+          </a:prstGeom>
+          <a:ln w="28575">
+            <a:solidFill>
+              <a:schemeClr val="tx1"/>
+            </a:solidFill>
+          </a:ln>
+        </p:spPr>
+        <p:style>
+          <a:lnRef idx="1">
+            <a:schemeClr val="accent1"/>
+          </a:lnRef>
+          <a:fillRef idx="0">
+            <a:schemeClr val="accent1"/>
+          </a:fillRef>
+          <a:effectRef idx="0">
+            <a:schemeClr val="accent1"/>
+          </a:effectRef>
+          <a:fontRef idx="minor">
+            <a:schemeClr val="tx1"/>
+          </a:fontRef>
+        </p:style>
+        <p:txBody>
+          <a:bodyPr rtlCol="0" anchor="ctr"/>
+          <a:lstStyle/>
+          <a:p>
+            <a:pPr algn="ctr"/>
+            <a:endParaRPr lang="en-CA"/>
+          </a:p>
+        </p:txBody>
+      </p:sp>
+      <p:sp>
+        <p:nvSpPr>
+          <p:cNvPr id="15" name="TextBox 14">
+            <a:extLst>
+              <a:ext uri="{FF2B5EF4-FFF2-40B4-BE49-F238E27FC236}">
+                <a16:creationId xmlns:a16="http://schemas.microsoft.com/office/drawing/2014/main" id="{27BE9BA4-9E82-B9F0-F1B7-D713DD76C2FC}"/>
+              </a:ext>
+            </a:extLst>
+          </p:cNvPr>
+          <p:cNvSpPr txBox="1"/>
+          <p:nvPr/>
+        </p:nvSpPr>
+        <p:spPr>
+          <a:xfrm>
+            <a:off x="8653228" y="1233726"/>
+            <a:ext cx="2210862" cy="369332"/>
+          </a:xfrm>
+          <a:prstGeom prst="rect">
+            <a:avLst/>
+          </a:prstGeom>
+          <a:noFill/>
+        </p:spPr>
+        <p:txBody>
+          <a:bodyPr wrap="none" rtlCol="0">
+            <a:spAutoFit/>
+          </a:bodyPr>
+          <a:lstStyle/>
+          <a:p>
+            <a:r>
+              <a:rPr lang="en-CA" b="1">
+                <a:latin typeface="Consolas" panose="020B0609020204030204" pitchFamily="49" charset="0"/>
+              </a:rPr>
+              <a:t>1 / PARTS_ACROSS</a:t>
+            </a:r>
           </a:p>
         </p:txBody>
       </p:sp>
